--- a/storyboard.pptx
+++ b/storyboard.pptx
@@ -5452,6 +5452,36 @@
           </a:p>
         </p:txBody>
       </p:sp>
+      <p:sp>
+        <p:nvSpPr>
+          <p:cNvPr id="87" name="TextBox 86"/>
+          <p:cNvSpPr txBox="1"/>
+          <p:nvPr/>
+        </p:nvSpPr>
+        <p:spPr>
+          <a:xfrm>
+            <a:off x="2269618" y="6611779"/>
+            <a:ext cx="1418411" cy="246221"/>
+          </a:xfrm>
+          <a:prstGeom prst="rect">
+            <a:avLst/>
+          </a:prstGeom>
+          <a:noFill/>
+        </p:spPr>
+        <p:txBody>
+          <a:bodyPr wrap="square" rtlCol="0">
+            <a:spAutoFit/>
+          </a:bodyPr>
+          <a:lstStyle/>
+          <a:p>
+            <a:r>
+              <a:rPr lang="en-US" sz="500" dirty="0" smtClean="0"/>
+              <a:t>When expired requests are visible show 3 sections in table view on this page</a:t>
+            </a:r>
+            <a:endParaRPr lang="en-US" dirty="0"/>
+          </a:p>
+        </p:txBody>
+      </p:sp>
     </p:spTree>
     <p:extLst>
       <p:ext uri="{BB962C8B-B14F-4D97-AF65-F5344CB8AC3E}">
@@ -6085,6 +6115,145 @@
               <a:t>Etc.</a:t>
             </a:r>
             <a:endParaRPr lang="en-US" sz="1000" dirty="0"/>
+          </a:p>
+        </p:txBody>
+      </p:sp>
+      <p:sp>
+        <p:nvSpPr>
+          <p:cNvPr id="30" name="Rectangle 29"/>
+          <p:cNvSpPr/>
+          <p:nvPr/>
+        </p:nvSpPr>
+        <p:spPr>
+          <a:xfrm>
+            <a:off x="6884538" y="884673"/>
+            <a:ext cx="1648114" cy="3107772"/>
+          </a:xfrm>
+          <a:prstGeom prst="rect">
+            <a:avLst/>
+          </a:prstGeom>
+        </p:spPr>
+        <p:style>
+          <a:lnRef idx="1">
+            <a:schemeClr val="accent1"/>
+          </a:lnRef>
+          <a:fillRef idx="3">
+            <a:schemeClr val="accent1"/>
+          </a:fillRef>
+          <a:effectRef idx="2">
+            <a:schemeClr val="accent1"/>
+          </a:effectRef>
+          <a:fontRef idx="minor">
+            <a:schemeClr val="lt1"/>
+          </a:fontRef>
+        </p:style>
+        <p:txBody>
+          <a:bodyPr rtlCol="0" anchor="ctr"/>
+          <a:lstStyle/>
+          <a:p>
+            <a:pPr algn="ctr"/>
+            <a:endParaRPr lang="en-US"/>
+          </a:p>
+        </p:txBody>
+      </p:sp>
+      <p:sp>
+        <p:nvSpPr>
+          <p:cNvPr id="31" name="TextBox 30"/>
+          <p:cNvSpPr txBox="1"/>
+          <p:nvPr/>
+        </p:nvSpPr>
+        <p:spPr>
+          <a:xfrm>
+            <a:off x="6936405" y="973252"/>
+            <a:ext cx="1587892" cy="276999"/>
+          </a:xfrm>
+          <a:prstGeom prst="rect">
+            <a:avLst/>
+          </a:prstGeom>
+          <a:noFill/>
+        </p:spPr>
+        <p:txBody>
+          <a:bodyPr wrap="square" rtlCol="0">
+            <a:spAutoFit/>
+          </a:bodyPr>
+          <a:lstStyle/>
+          <a:p>
+            <a:r>
+              <a:rPr lang="en-US" sz="1200" dirty="0" smtClean="0"/>
+              <a:t>Admin Event Creation</a:t>
+            </a:r>
+            <a:endParaRPr lang="en-US" sz="1200" dirty="0"/>
+          </a:p>
+        </p:txBody>
+      </p:sp>
+      <p:sp>
+        <p:nvSpPr>
+          <p:cNvPr id="33" name="TextBox 32"/>
+          <p:cNvSpPr txBox="1"/>
+          <p:nvPr/>
+        </p:nvSpPr>
+        <p:spPr>
+          <a:xfrm>
+            <a:off x="6904716" y="1299803"/>
+            <a:ext cx="1587892" cy="646331"/>
+          </a:xfrm>
+          <a:prstGeom prst="rect">
+            <a:avLst/>
+          </a:prstGeom>
+          <a:noFill/>
+        </p:spPr>
+        <p:txBody>
+          <a:bodyPr wrap="square" rtlCol="0">
+            <a:spAutoFit/>
+          </a:bodyPr>
+          <a:lstStyle/>
+          <a:p>
+            <a:r>
+              <a:rPr lang="en-US" sz="1200" dirty="0" smtClean="0"/>
+              <a:t>Location</a:t>
+            </a:r>
+          </a:p>
+          <a:p>
+            <a:r>
+              <a:rPr lang="en-US" sz="1200" dirty="0" smtClean="0"/>
+              <a:t>Date</a:t>
+            </a:r>
+          </a:p>
+          <a:p>
+            <a:r>
+              <a:rPr lang="en-US" sz="1200" dirty="0" smtClean="0"/>
+              <a:t>Etc.</a:t>
+            </a:r>
+          </a:p>
+        </p:txBody>
+      </p:sp>
+      <p:sp>
+        <p:nvSpPr>
+          <p:cNvPr id="34" name="TextBox 33"/>
+          <p:cNvSpPr txBox="1"/>
+          <p:nvPr/>
+        </p:nvSpPr>
+        <p:spPr>
+          <a:xfrm>
+            <a:off x="6792984" y="593491"/>
+            <a:ext cx="1813134" cy="215444"/>
+          </a:xfrm>
+          <a:prstGeom prst="rect">
+            <a:avLst/>
+          </a:prstGeom>
+          <a:noFill/>
+        </p:spPr>
+        <p:txBody>
+          <a:bodyPr wrap="square" rtlCol="0">
+            <a:spAutoFit/>
+          </a:bodyPr>
+          <a:lstStyle/>
+          <a:p>
+            <a:r>
+              <a:rPr lang="en-US" sz="800" dirty="0" smtClean="0"/>
+              <a:t>Tab will appear/ enabled for admin</a:t>
+            </a:r>
+            <a:endParaRPr lang="en-US" sz="800" dirty="0"/>
           </a:p>
         </p:txBody>
       </p:sp>
